--- a/PRD-21-C2/非受控文档/过程文档/软件工程系列课程教学网站项目计划.pptx
+++ b/PRD-21-C2/非受控文档/过程文档/软件工程系列课程教学网站项目计划.pptx
@@ -3699,8 +3699,8 @@
         </p:nvSpPr>
         <p:spPr>
           <a:xfrm>
-            <a:off x="1546326" y="305104"/>
-            <a:ext cx="9311093" cy="2376978"/>
+            <a:off x="1299808" y="514467"/>
+            <a:ext cx="11423176" cy="2376978"/>
           </a:xfrm>
         </p:spPr>
         <p:txBody>
@@ -3711,7 +3711,17 @@
           <a:p>
             <a:r>
               <a:rPr lang="zh-CN" altLang="zh-CN" b="1" dirty="0"/>
-              <a:t>软件工程系列课程教学网站</a:t>
+              <a:t>软件工程系列课程教学</a:t>
+            </a:r>
+            <a:r>
+              <a:rPr lang="zh-CN" altLang="en-US" b="1" dirty="0">
+                <a:ea typeface="宋体" panose="02010600030101010101" pitchFamily="2" charset="-122"/>
+              </a:rPr>
+              <a:t>辅助</a:t>
+            </a:r>
+            <a:r>
+              <a:rPr lang="zh-CN" altLang="zh-CN" b="1" dirty="0"/>
+              <a:t>网站</a:t>
             </a:r>
             <a:br>
               <a:rPr lang="zh-CN" altLang="zh-CN" b="1" dirty="0"/>
@@ -4963,7 +4973,7 @@
           <a:graphicData uri="http://schemas.openxmlformats.org/presentationml/2006/ole">
             <mc:AlternateContent xmlns:mc="http://schemas.openxmlformats.org/markup-compatibility/2006">
               <mc:Choice xmlns:v="urn:schemas-microsoft-com:vml" Requires="v">
-                <p:oleObj spid="_x0000_s12295" name="项目" r:id="rId3" imgW="371160" imgH="78120" progId="MSProject.Project.9">
+                <p:oleObj spid="_x0000_s12312" name="项目" r:id="rId3" imgW="371160" imgH="78120" progId="MSProject.Project.9">
                   <p:embed/>
                 </p:oleObj>
               </mc:Choice>
@@ -5058,6 +5068,138 @@
               <a:rPr lang="zh-CN" altLang="zh-CN" b="1" dirty="0"/>
             </a:br>
             <a:endParaRPr lang="zh-CN" altLang="en-US" dirty="0"/>
+          </a:p>
+        </p:txBody>
+      </p:sp>
+      <p:sp>
+        <p:nvSpPr>
+          <p:cNvPr id="2" name="文本框 1">
+            <a:extLst>
+              <a:ext uri="{FF2B5EF4-FFF2-40B4-BE49-F238E27FC236}">
+                <a16:creationId xmlns:a16="http://schemas.microsoft.com/office/drawing/2014/main" id="{B10E745C-9D5E-4D40-ADCC-FC5436F31239}"/>
+              </a:ext>
+            </a:extLst>
+          </p:cNvPr>
+          <p:cNvSpPr txBox="1"/>
+          <p:nvPr/>
+        </p:nvSpPr>
+        <p:spPr>
+          <a:xfrm>
+            <a:off x="1225118" y="4634144"/>
+            <a:ext cx="9499107" cy="646331"/>
+          </a:xfrm>
+          <a:prstGeom prst="rect">
+            <a:avLst/>
+          </a:prstGeom>
+          <a:noFill/>
+        </p:spPr>
+        <p:txBody>
+          <a:bodyPr wrap="square" rtlCol="0">
+            <a:spAutoFit/>
+          </a:bodyPr>
+          <a:lstStyle/>
+          <a:p>
+            <a:r>
+              <a:rPr lang="en-US" altLang="zh-CN" dirty="0"/>
+              <a:t>PPT</a:t>
+            </a:r>
+            <a:r>
+              <a:rPr lang="zh-CN" altLang="en-US" dirty="0"/>
+              <a:t>分工：尹健瑾主写，吴桐修改</a:t>
+            </a:r>
+            <a:endParaRPr lang="en-US" altLang="zh-CN" dirty="0"/>
+          </a:p>
+          <a:p>
+            <a:r>
+              <a:rPr lang="zh-CN" altLang="en-US" dirty="0"/>
+              <a:t>需求部分分工详见</a:t>
+            </a:r>
+            <a:r>
+              <a:rPr lang="zh-CN" altLang="en-US"/>
+              <a:t>相关文档</a:t>
+            </a:r>
+            <a:endParaRPr lang="zh-CN" altLang="en-US" dirty="0"/>
+          </a:p>
+        </p:txBody>
+      </p:sp>
+      <p:sp>
+        <p:nvSpPr>
+          <p:cNvPr id="7" name="矩形 6">
+            <a:extLst>
+              <a:ext uri="{FF2B5EF4-FFF2-40B4-BE49-F238E27FC236}">
+                <a16:creationId xmlns:a16="http://schemas.microsoft.com/office/drawing/2014/main" id="{CA274FC2-242E-4298-82FB-F6D8ADD843DD}"/>
+              </a:ext>
+            </a:extLst>
+          </p:cNvPr>
+          <p:cNvSpPr/>
+          <p:nvPr/>
+        </p:nvSpPr>
+        <p:spPr>
+          <a:xfrm>
+            <a:off x="1538796" y="5280475"/>
+            <a:ext cx="6096000" cy="646331"/>
+          </a:xfrm>
+          <a:prstGeom prst="rect">
+            <a:avLst/>
+          </a:prstGeom>
+        </p:spPr>
+        <p:txBody>
+          <a:bodyPr>
+            <a:spAutoFit/>
+          </a:bodyPr>
+          <a:lstStyle/>
+          <a:p>
+            <a:r>
+              <a:rPr lang="zh-CN" altLang="en-US" dirty="0"/>
+              <a:t>评价：大家都在尽可能完成任务：尹健瑾</a:t>
+            </a:r>
+            <a:r>
+              <a:rPr lang="en-US" altLang="zh-CN" dirty="0"/>
+              <a:t>8.5 </a:t>
+            </a:r>
+            <a:r>
+              <a:rPr lang="zh-CN" altLang="en-US" dirty="0"/>
+              <a:t>吴桐</a:t>
+            </a:r>
+            <a:r>
+              <a:rPr lang="en-US" altLang="zh-CN" dirty="0"/>
+              <a:t>9</a:t>
+            </a:r>
+            <a:r>
+              <a:rPr lang="zh-CN" altLang="en-US" dirty="0"/>
+              <a:t>分</a:t>
+            </a:r>
+            <a:endParaRPr lang="en-US" altLang="zh-CN" dirty="0"/>
+          </a:p>
+          <a:p>
+            <a:r>
+              <a:rPr lang="zh-CN" altLang="en-US" dirty="0"/>
+              <a:t>赵高生：</a:t>
+            </a:r>
+            <a:r>
+              <a:rPr lang="en-US" altLang="zh-CN" dirty="0"/>
+              <a:t>8.3</a:t>
+            </a:r>
+            <a:r>
+              <a:rPr lang="zh-CN" altLang="en-US" dirty="0"/>
+              <a:t>分 袁泽成 </a:t>
+            </a:r>
+            <a:r>
+              <a:rPr lang="en-US" altLang="zh-CN" dirty="0"/>
+              <a:t>8.7 </a:t>
+            </a:r>
+            <a:r>
+              <a:rPr lang="zh-CN" altLang="en-US" dirty="0"/>
+              <a:t>邬立东：</a:t>
+            </a:r>
+            <a:r>
+              <a:rPr lang="en-US" altLang="zh-CN" dirty="0"/>
+              <a:t>8</a:t>
+            </a:r>
+            <a:r>
+              <a:rPr lang="zh-CN" altLang="en-US" dirty="0"/>
+              <a:t>分</a:t>
+            </a:r>
           </a:p>
         </p:txBody>
       </p:sp>
@@ -11516,7 +11658,7 @@
         <p:spPr>
           <a:xfrm>
             <a:off x="1451578" y="2863875"/>
-            <a:ext cx="9493229" cy="1200329"/>
+            <a:ext cx="9493229" cy="2230098"/>
           </a:xfrm>
           <a:prstGeom prst="rect">
             <a:avLst/>
@@ -11528,6 +11670,11 @@
           </a:bodyPr>
           <a:lstStyle/>
           <a:p>
+            <a:pPr>
+              <a:lnSpc>
+                <a:spcPct val="200000"/>
+              </a:lnSpc>
+            </a:pPr>
             <a:r>
               <a:rPr lang="zh-CN" altLang="zh-CN" dirty="0"/>
               <a:t>名称：软件工程系列课程教学辅助网站</a:t>
@@ -11535,6 +11682,11 @@
             <a:endParaRPr lang="en-US" altLang="zh-CN" dirty="0"/>
           </a:p>
           <a:p>
+            <a:pPr>
+              <a:lnSpc>
+                <a:spcPct val="200000"/>
+              </a:lnSpc>
+            </a:pPr>
             <a:r>
               <a:rPr lang="zh-CN" altLang="zh-CN" dirty="0">
                 <a:solidFill>
@@ -11672,6 +11824,11 @@
             </a:endParaRPr>
           </a:p>
           <a:p>
+            <a:pPr>
+              <a:lnSpc>
+                <a:spcPct val="200000"/>
+              </a:lnSpc>
+            </a:pPr>
             <a:r>
               <a:rPr lang="zh-CN" altLang="zh-CN" dirty="0"/>
               <a:t>服务器建议选用</a:t>
@@ -11699,6 +11856,11 @@
             <a:endParaRPr lang="zh-CN" altLang="zh-CN" dirty="0"/>
           </a:p>
           <a:p>
+            <a:pPr>
+              <a:lnSpc>
+                <a:spcPct val="200000"/>
+              </a:lnSpc>
+            </a:pPr>
             <a:r>
               <a:rPr lang="zh-CN" altLang="zh-CN" dirty="0"/>
               <a:t>开发平台可以选择</a:t>
@@ -11807,7 +11969,7 @@
         <p:spPr/>
         <p:txBody>
           <a:bodyPr>
-            <a:normAutofit fontScale="85000" lnSpcReduction="10000"/>
+            <a:normAutofit fontScale="92500" lnSpcReduction="20000"/>
           </a:bodyPr>
           <a:lstStyle/>
           <a:p>
@@ -11863,30 +12025,23 @@
           <a:p>
             <a:r>
               <a:rPr lang="zh-CN" altLang="zh-CN" dirty="0"/>
-              <a:t>用户：游客，学生，老师</a:t>
-            </a:r>
-            <a:r>
-              <a:rPr lang="en-US" altLang="zh-CN" dirty="0"/>
-              <a:t>  </a:t>
+              <a:t>用户：游客，</a:t>
+            </a:r>
+            <a:r>
+              <a:rPr lang="zh-CN" altLang="en-US" dirty="0"/>
+              <a:t>以及本校学了该门课程的</a:t>
             </a:r>
             <a:r>
               <a:rPr lang="zh-CN" altLang="zh-CN" dirty="0"/>
-              <a:t>及实现该软件的计算中心或计算机网络；</a:t>
-            </a:r>
-            <a:br>
-              <a:rPr lang="en-US" altLang="zh-CN" dirty="0"/>
-            </a:br>
+              <a:t>学生</a:t>
+            </a:r>
+            <a:r>
+              <a:rPr lang="zh-CN" altLang="en-US" dirty="0"/>
+              <a:t>，及感兴趣的学生</a:t>
+            </a:r>
             <a:r>
               <a:rPr lang="zh-CN" altLang="zh-CN" dirty="0"/>
-              <a:t>　　</a:t>
-            </a:r>
-            <a:r>
-              <a:rPr lang="en-US" altLang="zh-CN" dirty="0"/>
-              <a:t>c.</a:t>
-            </a:r>
-            <a:r>
-              <a:rPr lang="zh-CN" altLang="zh-CN" dirty="0"/>
-              <a:t>该软件系统同其他系统或其他机构的基本的相互来往关系。</a:t>
+              <a:t>，老师</a:t>
             </a:r>
             <a:endParaRPr lang="zh-CN" altLang="en-US" dirty="0"/>
           </a:p>
@@ -12126,12 +12281,18 @@
         </p:nvSpPr>
         <p:spPr/>
         <p:txBody>
-          <a:bodyPr/>
+          <a:bodyPr>
+            <a:normAutofit/>
+          </a:bodyPr>
           <a:lstStyle/>
           <a:p>
             <a:r>
               <a:rPr lang="zh-CN" altLang="zh-CN" b="1" dirty="0"/>
               <a:t>主要参加人员</a:t>
+            </a:r>
+            <a:r>
+              <a:rPr lang="zh-CN" altLang="en-US" b="1" dirty="0"/>
+              <a:t>（分为开发小组和用户两部分）</a:t>
             </a:r>
             <a:br>
               <a:rPr lang="zh-CN" altLang="zh-CN" b="1" dirty="0"/>
@@ -12163,7 +12324,7 @@
         </p:nvGraphicFramePr>
         <p:xfrm>
           <a:off x="1734643" y="2261250"/>
-          <a:ext cx="8652230" cy="3699339"/>
+          <a:ext cx="8652230" cy="3677241"/>
         </p:xfrm>
         <a:graphic>
           <a:graphicData uri="http://schemas.openxmlformats.org/drawingml/2006/table">
@@ -13148,7 +13309,7 @@
             <p:ph idx="1"/>
             <p:extLst>
               <p:ext uri="{D42A27DB-BD31-4B8C-83A1-F6EECF244321}">
-                <p14:modId xmlns:p14="http://schemas.microsoft.com/office/powerpoint/2010/main" val="44960097"/>
+                <p14:modId xmlns:p14="http://schemas.microsoft.com/office/powerpoint/2010/main" val="302450731"/>
               </p:ext>
             </p:extLst>
           </p:nvPr>
@@ -13361,7 +13522,7 @@
                           <a:ea typeface="宋体" panose="02010600030101010101" pitchFamily="2" charset="-122"/>
                           <a:cs typeface="Times New Roman" panose="02020603050405020304" pitchFamily="18" charset="0"/>
                         </a:rPr>
-                        <a:t>不断提出需求，</a:t>
+                        <a:t>不断提出需求，（代表侯宏伦，杨枨老师）</a:t>
                       </a:r>
                       <a:endParaRPr lang="zh-CN" sz="1800" dirty="0">
                         <a:effectLst/>
@@ -13621,6 +13782,41 @@
             <a:r>
               <a:rPr lang="zh-CN" altLang="en-US" dirty="0"/>
               <a:t>用户：</a:t>
+            </a:r>
+          </a:p>
+        </p:txBody>
+      </p:sp>
+      <p:sp>
+        <p:nvSpPr>
+          <p:cNvPr id="5" name="文本框 4">
+            <a:extLst>
+              <a:ext uri="{FF2B5EF4-FFF2-40B4-BE49-F238E27FC236}">
+                <a16:creationId xmlns:a16="http://schemas.microsoft.com/office/drawing/2014/main" id="{386646AF-D222-4A5C-9ADF-AD0BA3F61050}"/>
+              </a:ext>
+            </a:extLst>
+          </p:cNvPr>
+          <p:cNvSpPr txBox="1"/>
+          <p:nvPr/>
+        </p:nvSpPr>
+        <p:spPr>
+          <a:xfrm>
+            <a:off x="1819922" y="5743852"/>
+            <a:ext cx="7146525" cy="369332"/>
+          </a:xfrm>
+          <a:prstGeom prst="rect">
+            <a:avLst/>
+          </a:prstGeom>
+          <a:noFill/>
+        </p:spPr>
+        <p:txBody>
+          <a:bodyPr wrap="square" rtlCol="0">
+            <a:spAutoFit/>
+          </a:bodyPr>
+          <a:lstStyle/>
+          <a:p>
+            <a:r>
+              <a:rPr lang="zh-CN" altLang="en-US" dirty="0"/>
+              <a:t>开发小组人员同时属于管理员角色</a:t>
             </a:r>
           </a:p>
         </p:txBody>

--- a/PRD-21-C2/非受控文档/过程文档/软件工程系列课程教学网站项目计划.pptx
+++ b/PRD-21-C2/非受控文档/过程文档/软件工程系列课程教学网站项目计划.pptx
@@ -3699,8 +3699,8 @@
         </p:nvSpPr>
         <p:spPr>
           <a:xfrm>
-            <a:off x="1299808" y="514467"/>
-            <a:ext cx="11423176" cy="2376978"/>
+            <a:off x="1546326" y="305104"/>
+            <a:ext cx="9311093" cy="2376978"/>
           </a:xfrm>
         </p:spPr>
         <p:txBody>
@@ -3711,17 +3711,7 @@
           <a:p>
             <a:r>
               <a:rPr lang="zh-CN" altLang="zh-CN" b="1" dirty="0"/>
-              <a:t>软件工程系列课程教学</a:t>
-            </a:r>
-            <a:r>
-              <a:rPr lang="zh-CN" altLang="en-US" b="1" dirty="0">
-                <a:ea typeface="宋体" panose="02010600030101010101" pitchFamily="2" charset="-122"/>
-              </a:rPr>
-              <a:t>辅助</a:t>
-            </a:r>
-            <a:r>
-              <a:rPr lang="zh-CN" altLang="zh-CN" b="1" dirty="0"/>
-              <a:t>网站</a:t>
+              <a:t>软件工程系列课程教学网站</a:t>
             </a:r>
             <a:br>
               <a:rPr lang="zh-CN" altLang="zh-CN" b="1" dirty="0"/>
@@ -4973,7 +4963,7 @@
           <a:graphicData uri="http://schemas.openxmlformats.org/presentationml/2006/ole">
             <mc:AlternateContent xmlns:mc="http://schemas.openxmlformats.org/markup-compatibility/2006">
               <mc:Choice xmlns:v="urn:schemas-microsoft-com:vml" Requires="v">
-                <p:oleObj spid="_x0000_s12312" name="项目" r:id="rId3" imgW="371160" imgH="78120" progId="MSProject.Project.9">
+                <p:oleObj spid="_x0000_s12295" name="项目" r:id="rId3" imgW="371160" imgH="78120" progId="MSProject.Project.9">
                   <p:embed/>
                 </p:oleObj>
               </mc:Choice>
@@ -5068,138 +5058,6 @@
               <a:rPr lang="zh-CN" altLang="zh-CN" b="1" dirty="0"/>
             </a:br>
             <a:endParaRPr lang="zh-CN" altLang="en-US" dirty="0"/>
-          </a:p>
-        </p:txBody>
-      </p:sp>
-      <p:sp>
-        <p:nvSpPr>
-          <p:cNvPr id="2" name="文本框 1">
-            <a:extLst>
-              <a:ext uri="{FF2B5EF4-FFF2-40B4-BE49-F238E27FC236}">
-                <a16:creationId xmlns:a16="http://schemas.microsoft.com/office/drawing/2014/main" id="{B10E745C-9D5E-4D40-ADCC-FC5436F31239}"/>
-              </a:ext>
-            </a:extLst>
-          </p:cNvPr>
-          <p:cNvSpPr txBox="1"/>
-          <p:nvPr/>
-        </p:nvSpPr>
-        <p:spPr>
-          <a:xfrm>
-            <a:off x="1225118" y="4634144"/>
-            <a:ext cx="9499107" cy="646331"/>
-          </a:xfrm>
-          <a:prstGeom prst="rect">
-            <a:avLst/>
-          </a:prstGeom>
-          <a:noFill/>
-        </p:spPr>
-        <p:txBody>
-          <a:bodyPr wrap="square" rtlCol="0">
-            <a:spAutoFit/>
-          </a:bodyPr>
-          <a:lstStyle/>
-          <a:p>
-            <a:r>
-              <a:rPr lang="en-US" altLang="zh-CN" dirty="0"/>
-              <a:t>PPT</a:t>
-            </a:r>
-            <a:r>
-              <a:rPr lang="zh-CN" altLang="en-US" dirty="0"/>
-              <a:t>分工：尹健瑾主写，吴桐修改</a:t>
-            </a:r>
-            <a:endParaRPr lang="en-US" altLang="zh-CN" dirty="0"/>
-          </a:p>
-          <a:p>
-            <a:r>
-              <a:rPr lang="zh-CN" altLang="en-US" dirty="0"/>
-              <a:t>需求部分分工详见</a:t>
-            </a:r>
-            <a:r>
-              <a:rPr lang="zh-CN" altLang="en-US"/>
-              <a:t>相关文档</a:t>
-            </a:r>
-            <a:endParaRPr lang="zh-CN" altLang="en-US" dirty="0"/>
-          </a:p>
-        </p:txBody>
-      </p:sp>
-      <p:sp>
-        <p:nvSpPr>
-          <p:cNvPr id="7" name="矩形 6">
-            <a:extLst>
-              <a:ext uri="{FF2B5EF4-FFF2-40B4-BE49-F238E27FC236}">
-                <a16:creationId xmlns:a16="http://schemas.microsoft.com/office/drawing/2014/main" id="{CA274FC2-242E-4298-82FB-F6D8ADD843DD}"/>
-              </a:ext>
-            </a:extLst>
-          </p:cNvPr>
-          <p:cNvSpPr/>
-          <p:nvPr/>
-        </p:nvSpPr>
-        <p:spPr>
-          <a:xfrm>
-            <a:off x="1538796" y="5280475"/>
-            <a:ext cx="6096000" cy="646331"/>
-          </a:xfrm>
-          <a:prstGeom prst="rect">
-            <a:avLst/>
-          </a:prstGeom>
-        </p:spPr>
-        <p:txBody>
-          <a:bodyPr>
-            <a:spAutoFit/>
-          </a:bodyPr>
-          <a:lstStyle/>
-          <a:p>
-            <a:r>
-              <a:rPr lang="zh-CN" altLang="en-US" dirty="0"/>
-              <a:t>评价：大家都在尽可能完成任务：尹健瑾</a:t>
-            </a:r>
-            <a:r>
-              <a:rPr lang="en-US" altLang="zh-CN" dirty="0"/>
-              <a:t>8.5 </a:t>
-            </a:r>
-            <a:r>
-              <a:rPr lang="zh-CN" altLang="en-US" dirty="0"/>
-              <a:t>吴桐</a:t>
-            </a:r>
-            <a:r>
-              <a:rPr lang="en-US" altLang="zh-CN" dirty="0"/>
-              <a:t>9</a:t>
-            </a:r>
-            <a:r>
-              <a:rPr lang="zh-CN" altLang="en-US" dirty="0"/>
-              <a:t>分</a:t>
-            </a:r>
-            <a:endParaRPr lang="en-US" altLang="zh-CN" dirty="0"/>
-          </a:p>
-          <a:p>
-            <a:r>
-              <a:rPr lang="zh-CN" altLang="en-US" dirty="0"/>
-              <a:t>赵高生：</a:t>
-            </a:r>
-            <a:r>
-              <a:rPr lang="en-US" altLang="zh-CN" dirty="0"/>
-              <a:t>8.3</a:t>
-            </a:r>
-            <a:r>
-              <a:rPr lang="zh-CN" altLang="en-US" dirty="0"/>
-              <a:t>分 袁泽成 </a:t>
-            </a:r>
-            <a:r>
-              <a:rPr lang="en-US" altLang="zh-CN" dirty="0"/>
-              <a:t>8.7 </a:t>
-            </a:r>
-            <a:r>
-              <a:rPr lang="zh-CN" altLang="en-US" dirty="0"/>
-              <a:t>邬立东：</a:t>
-            </a:r>
-            <a:r>
-              <a:rPr lang="en-US" altLang="zh-CN" dirty="0"/>
-              <a:t>8</a:t>
-            </a:r>
-            <a:r>
-              <a:rPr lang="zh-CN" altLang="en-US" dirty="0"/>
-              <a:t>分</a:t>
-            </a:r>
           </a:p>
         </p:txBody>
       </p:sp>
@@ -11658,7 +11516,7 @@
         <p:spPr>
           <a:xfrm>
             <a:off x="1451578" y="2863875"/>
-            <a:ext cx="9493229" cy="2230098"/>
+            <a:ext cx="9493229" cy="1200329"/>
           </a:xfrm>
           <a:prstGeom prst="rect">
             <a:avLst/>
@@ -11670,11 +11528,6 @@
           </a:bodyPr>
           <a:lstStyle/>
           <a:p>
-            <a:pPr>
-              <a:lnSpc>
-                <a:spcPct val="200000"/>
-              </a:lnSpc>
-            </a:pPr>
             <a:r>
               <a:rPr lang="zh-CN" altLang="zh-CN" dirty="0"/>
               <a:t>名称：软件工程系列课程教学辅助网站</a:t>
@@ -11682,11 +11535,6 @@
             <a:endParaRPr lang="en-US" altLang="zh-CN" dirty="0"/>
           </a:p>
           <a:p>
-            <a:pPr>
-              <a:lnSpc>
-                <a:spcPct val="200000"/>
-              </a:lnSpc>
-            </a:pPr>
             <a:r>
               <a:rPr lang="zh-CN" altLang="zh-CN" dirty="0">
                 <a:solidFill>
@@ -11824,11 +11672,6 @@
             </a:endParaRPr>
           </a:p>
           <a:p>
-            <a:pPr>
-              <a:lnSpc>
-                <a:spcPct val="200000"/>
-              </a:lnSpc>
-            </a:pPr>
             <a:r>
               <a:rPr lang="zh-CN" altLang="zh-CN" dirty="0"/>
               <a:t>服务器建议选用</a:t>
@@ -11856,11 +11699,6 @@
             <a:endParaRPr lang="zh-CN" altLang="zh-CN" dirty="0"/>
           </a:p>
           <a:p>
-            <a:pPr>
-              <a:lnSpc>
-                <a:spcPct val="200000"/>
-              </a:lnSpc>
-            </a:pPr>
             <a:r>
               <a:rPr lang="zh-CN" altLang="zh-CN" dirty="0"/>
               <a:t>开发平台可以选择</a:t>
@@ -11969,7 +11807,7 @@
         <p:spPr/>
         <p:txBody>
           <a:bodyPr>
-            <a:normAutofit fontScale="92500" lnSpcReduction="20000"/>
+            <a:normAutofit fontScale="85000" lnSpcReduction="10000"/>
           </a:bodyPr>
           <a:lstStyle/>
           <a:p>
@@ -12025,23 +11863,30 @@
           <a:p>
             <a:r>
               <a:rPr lang="zh-CN" altLang="zh-CN" dirty="0"/>
-              <a:t>用户：游客，</a:t>
-            </a:r>
-            <a:r>
-              <a:rPr lang="zh-CN" altLang="en-US" dirty="0"/>
-              <a:t>以及本校学了该门课程的</a:t>
+              <a:t>用户：游客，学生，老师</a:t>
+            </a:r>
+            <a:r>
+              <a:rPr lang="en-US" altLang="zh-CN" dirty="0"/>
+              <a:t>  </a:t>
             </a:r>
             <a:r>
               <a:rPr lang="zh-CN" altLang="zh-CN" dirty="0"/>
-              <a:t>学生</a:t>
-            </a:r>
-            <a:r>
-              <a:rPr lang="zh-CN" altLang="en-US" dirty="0"/>
-              <a:t>，及感兴趣的学生</a:t>
-            </a:r>
+              <a:t>及实现该软件的计算中心或计算机网络；</a:t>
+            </a:r>
+            <a:br>
+              <a:rPr lang="en-US" altLang="zh-CN" dirty="0"/>
+            </a:br>
             <a:r>
               <a:rPr lang="zh-CN" altLang="zh-CN" dirty="0"/>
-              <a:t>，老师</a:t>
+              <a:t>　　</a:t>
+            </a:r>
+            <a:r>
+              <a:rPr lang="en-US" altLang="zh-CN" dirty="0"/>
+              <a:t>c.</a:t>
+            </a:r>
+            <a:r>
+              <a:rPr lang="zh-CN" altLang="zh-CN" dirty="0"/>
+              <a:t>该软件系统同其他系统或其他机构的基本的相互来往关系。</a:t>
             </a:r>
             <a:endParaRPr lang="zh-CN" altLang="en-US" dirty="0"/>
           </a:p>
@@ -12281,18 +12126,12 @@
         </p:nvSpPr>
         <p:spPr/>
         <p:txBody>
-          <a:bodyPr>
-            <a:normAutofit/>
-          </a:bodyPr>
+          <a:bodyPr/>
           <a:lstStyle/>
           <a:p>
             <a:r>
               <a:rPr lang="zh-CN" altLang="zh-CN" b="1" dirty="0"/>
               <a:t>主要参加人员</a:t>
-            </a:r>
-            <a:r>
-              <a:rPr lang="zh-CN" altLang="en-US" b="1" dirty="0"/>
-              <a:t>（分为开发小组和用户两部分）</a:t>
             </a:r>
             <a:br>
               <a:rPr lang="zh-CN" altLang="zh-CN" b="1" dirty="0"/>
@@ -12324,7 +12163,7 @@
         </p:nvGraphicFramePr>
         <p:xfrm>
           <a:off x="1734643" y="2261250"/>
-          <a:ext cx="8652230" cy="3677241"/>
+          <a:ext cx="8652230" cy="3699339"/>
         </p:xfrm>
         <a:graphic>
           <a:graphicData uri="http://schemas.openxmlformats.org/drawingml/2006/table">
@@ -13309,7 +13148,7 @@
             <p:ph idx="1"/>
             <p:extLst>
               <p:ext uri="{D42A27DB-BD31-4B8C-83A1-F6EECF244321}">
-                <p14:modId xmlns:p14="http://schemas.microsoft.com/office/powerpoint/2010/main" val="302450731"/>
+                <p14:modId xmlns:p14="http://schemas.microsoft.com/office/powerpoint/2010/main" val="44960097"/>
               </p:ext>
             </p:extLst>
           </p:nvPr>
@@ -13522,7 +13361,7 @@
                           <a:ea typeface="宋体" panose="02010600030101010101" pitchFamily="2" charset="-122"/>
                           <a:cs typeface="Times New Roman" panose="02020603050405020304" pitchFamily="18" charset="0"/>
                         </a:rPr>
-                        <a:t>不断提出需求，（代表侯宏伦，杨枨老师）</a:t>
+                        <a:t>不断提出需求，</a:t>
                       </a:r>
                       <a:endParaRPr lang="zh-CN" sz="1800" dirty="0">
                         <a:effectLst/>
@@ -13782,41 +13621,6 @@
             <a:r>
               <a:rPr lang="zh-CN" altLang="en-US" dirty="0"/>
               <a:t>用户：</a:t>
-            </a:r>
-          </a:p>
-        </p:txBody>
-      </p:sp>
-      <p:sp>
-        <p:nvSpPr>
-          <p:cNvPr id="5" name="文本框 4">
-            <a:extLst>
-              <a:ext uri="{FF2B5EF4-FFF2-40B4-BE49-F238E27FC236}">
-                <a16:creationId xmlns:a16="http://schemas.microsoft.com/office/drawing/2014/main" id="{386646AF-D222-4A5C-9ADF-AD0BA3F61050}"/>
-              </a:ext>
-            </a:extLst>
-          </p:cNvPr>
-          <p:cNvSpPr txBox="1"/>
-          <p:nvPr/>
-        </p:nvSpPr>
-        <p:spPr>
-          <a:xfrm>
-            <a:off x="1819922" y="5743852"/>
-            <a:ext cx="7146525" cy="369332"/>
-          </a:xfrm>
-          <a:prstGeom prst="rect">
-            <a:avLst/>
-          </a:prstGeom>
-          <a:noFill/>
-        </p:spPr>
-        <p:txBody>
-          <a:bodyPr wrap="square" rtlCol="0">
-            <a:spAutoFit/>
-          </a:bodyPr>
-          <a:lstStyle/>
-          <a:p>
-            <a:r>
-              <a:rPr lang="zh-CN" altLang="en-US" dirty="0"/>
-              <a:t>开发小组人员同时属于管理员角色</a:t>
             </a:r>
           </a:p>
         </p:txBody>
